--- a/Lectures/Lecture_6.pptx
+++ b/Lectures/Lecture_6.pptx
@@ -301,7 +301,7 @@
           <a:p>
             <a:fld id="{02EFC24E-100E-A34D-B1D7-42245FAC3674}" type="datetimeFigureOut">
               <a:rPr lang="en-US" smtClean="0"/>
-              <a:t>8/4/15</a:t>
+              <a:t>8/5/15</a:t>
             </a:fld>
             <a:endParaRPr lang="en-US"/>
           </a:p>
@@ -471,7 +471,7 @@
           <a:p>
             <a:fld id="{02EFC24E-100E-A34D-B1D7-42245FAC3674}" type="datetimeFigureOut">
               <a:rPr lang="en-US" smtClean="0"/>
-              <a:t>8/4/15</a:t>
+              <a:t>8/5/15</a:t>
             </a:fld>
             <a:endParaRPr lang="en-US"/>
           </a:p>
@@ -651,7 +651,7 @@
           <a:p>
             <a:fld id="{02EFC24E-100E-A34D-B1D7-42245FAC3674}" type="datetimeFigureOut">
               <a:rPr lang="en-US" smtClean="0"/>
-              <a:t>8/4/15</a:t>
+              <a:t>8/5/15</a:t>
             </a:fld>
             <a:endParaRPr lang="en-US"/>
           </a:p>
@@ -821,7 +821,7 @@
           <a:p>
             <a:fld id="{02EFC24E-100E-A34D-B1D7-42245FAC3674}" type="datetimeFigureOut">
               <a:rPr lang="en-US" smtClean="0"/>
-              <a:t>8/4/15</a:t>
+              <a:t>8/5/15</a:t>
             </a:fld>
             <a:endParaRPr lang="en-US"/>
           </a:p>
@@ -1067,7 +1067,7 @@
           <a:p>
             <a:fld id="{02EFC24E-100E-A34D-B1D7-42245FAC3674}" type="datetimeFigureOut">
               <a:rPr lang="en-US" smtClean="0"/>
-              <a:t>8/4/15</a:t>
+              <a:t>8/5/15</a:t>
             </a:fld>
             <a:endParaRPr lang="en-US"/>
           </a:p>
@@ -1355,7 +1355,7 @@
           <a:p>
             <a:fld id="{02EFC24E-100E-A34D-B1D7-42245FAC3674}" type="datetimeFigureOut">
               <a:rPr lang="en-US" smtClean="0"/>
-              <a:t>8/4/15</a:t>
+              <a:t>8/5/15</a:t>
             </a:fld>
             <a:endParaRPr lang="en-US"/>
           </a:p>
@@ -1777,7 +1777,7 @@
           <a:p>
             <a:fld id="{02EFC24E-100E-A34D-B1D7-42245FAC3674}" type="datetimeFigureOut">
               <a:rPr lang="en-US" smtClean="0"/>
-              <a:t>8/4/15</a:t>
+              <a:t>8/5/15</a:t>
             </a:fld>
             <a:endParaRPr lang="en-US"/>
           </a:p>
@@ -1895,7 +1895,7 @@
           <a:p>
             <a:fld id="{02EFC24E-100E-A34D-B1D7-42245FAC3674}" type="datetimeFigureOut">
               <a:rPr lang="en-US" smtClean="0"/>
-              <a:t>8/4/15</a:t>
+              <a:t>8/5/15</a:t>
             </a:fld>
             <a:endParaRPr lang="en-US"/>
           </a:p>
@@ -1990,7 +1990,7 @@
           <a:p>
             <a:fld id="{02EFC24E-100E-A34D-B1D7-42245FAC3674}" type="datetimeFigureOut">
               <a:rPr lang="en-US" smtClean="0"/>
-              <a:t>8/4/15</a:t>
+              <a:t>8/5/15</a:t>
             </a:fld>
             <a:endParaRPr lang="en-US"/>
           </a:p>
@@ -2267,7 +2267,7 @@
           <a:p>
             <a:fld id="{02EFC24E-100E-A34D-B1D7-42245FAC3674}" type="datetimeFigureOut">
               <a:rPr lang="en-US" smtClean="0"/>
-              <a:t>8/4/15</a:t>
+              <a:t>8/5/15</a:t>
             </a:fld>
             <a:endParaRPr lang="en-US"/>
           </a:p>
@@ -2520,7 +2520,7 @@
           <a:p>
             <a:fld id="{02EFC24E-100E-A34D-B1D7-42245FAC3674}" type="datetimeFigureOut">
               <a:rPr lang="en-US" smtClean="0"/>
-              <a:t>8/4/15</a:t>
+              <a:t>8/5/15</a:t>
             </a:fld>
             <a:endParaRPr lang="en-US"/>
           </a:p>
@@ -2733,7 +2733,7 @@
           <a:p>
             <a:fld id="{02EFC24E-100E-A34D-B1D7-42245FAC3674}" type="datetimeFigureOut">
               <a:rPr lang="en-US" smtClean="0"/>
-              <a:t>8/4/15</a:t>
+              <a:t>8/5/15</a:t>
             </a:fld>
             <a:endParaRPr lang="en-US"/>
           </a:p>
@@ -5192,15 +5192,699 @@
             <p:ph idx="1"/>
           </p:nvPr>
         </p:nvSpPr>
-        <p:spPr/>
+        <p:spPr>
+          <a:xfrm>
+            <a:off x="4566932" y="1600201"/>
+            <a:ext cx="4119867" cy="2304182"/>
+          </a:xfrm>
+        </p:spPr>
         <p:txBody>
           <a:bodyPr/>
           <a:lstStyle/>
           <a:p>
-            <a:endParaRPr lang="en-US"/>
-          </a:p>
-        </p:txBody>
-      </p:sp>
+            <a:r>
+              <a:rPr lang="en-US" dirty="0" smtClean="0"/>
+              <a:t>Often particle distributions are plotted as phase-space densities.</a:t>
+            </a:r>
+            <a:endParaRPr lang="en-US" dirty="0"/>
+          </a:p>
+        </p:txBody>
+      </p:sp>
+      <p:pic>
+        <p:nvPicPr>
+          <p:cNvPr id="4" name="Picture 3" descr="ePSDpadtestburst.eps"/>
+          <p:cNvPicPr>
+            <a:picLocks noChangeAspect="1"/>
+          </p:cNvPicPr>
+          <p:nvPr/>
+        </p:nvPicPr>
+        <p:blipFill>
+          <a:blip r:embed="rId2">
+            <a:extLst>
+              <a:ext uri="{28A0092B-C50C-407E-A947-70E740481C1C}">
+                <a14:useLocalDpi xmlns:a14="http://schemas.microsoft.com/office/drawing/2010/main" val="0"/>
+              </a:ext>
+            </a:extLst>
+          </a:blip>
+          <a:stretch>
+            <a:fillRect/>
+          </a:stretch>
+        </p:blipFill>
+        <p:spPr>
+          <a:xfrm>
+            <a:off x="0" y="2080105"/>
+            <a:ext cx="4307078" cy="3953356"/>
+          </a:xfrm>
+          <a:prstGeom prst="rect">
+            <a:avLst/>
+          </a:prstGeom>
+        </p:spPr>
+      </p:pic>
+      <p:sp>
+        <p:nvSpPr>
+          <p:cNvPr id="5" name="Content Placeholder 2"/>
+          <p:cNvSpPr txBox="1">
+            <a:spLocks/>
+          </p:cNvSpPr>
+          <p:nvPr/>
+        </p:nvSpPr>
+        <p:spPr>
+          <a:xfrm>
+            <a:off x="818241" y="6211850"/>
+            <a:ext cx="3289296" cy="462077"/>
+          </a:xfrm>
+          <a:prstGeom prst="rect">
+            <a:avLst/>
+          </a:prstGeom>
+        </p:spPr>
+        <p:txBody>
+          <a:bodyPr vert="horz" lIns="91440" tIns="45720" rIns="91440" bIns="45720" rtlCol="0">
+            <a:normAutofit/>
+          </a:bodyPr>
+          <a:lstStyle>
+            <a:lvl1pPr marL="342900" indent="-342900" algn="l" defTabSz="457200" rtl="0" eaLnBrk="1" latinLnBrk="0" hangingPunct="1">
+              <a:spcBef>
+                <a:spcPct val="20000"/>
+              </a:spcBef>
+              <a:buFont typeface="Arial"/>
+              <a:buChar char="•"/>
+              <a:defRPr sz="3200" kern="1200">
+                <a:solidFill>
+                  <a:schemeClr val="tx1"/>
+                </a:solidFill>
+                <a:latin typeface="+mn-lt"/>
+                <a:ea typeface="+mn-ea"/>
+                <a:cs typeface="+mn-cs"/>
+              </a:defRPr>
+            </a:lvl1pPr>
+            <a:lvl2pPr marL="742950" indent="-285750" algn="l" defTabSz="457200" rtl="0" eaLnBrk="1" latinLnBrk="0" hangingPunct="1">
+              <a:spcBef>
+                <a:spcPct val="20000"/>
+              </a:spcBef>
+              <a:buFont typeface="Arial"/>
+              <a:buChar char="–"/>
+              <a:defRPr sz="2800" kern="1200">
+                <a:solidFill>
+                  <a:schemeClr val="tx1"/>
+                </a:solidFill>
+                <a:latin typeface="+mn-lt"/>
+                <a:ea typeface="+mn-ea"/>
+                <a:cs typeface="+mn-cs"/>
+              </a:defRPr>
+            </a:lvl2pPr>
+            <a:lvl3pPr marL="1143000" indent="-228600" algn="l" defTabSz="457200" rtl="0" eaLnBrk="1" latinLnBrk="0" hangingPunct="1">
+              <a:spcBef>
+                <a:spcPct val="20000"/>
+              </a:spcBef>
+              <a:buFont typeface="Arial"/>
+              <a:buChar char="•"/>
+              <a:defRPr sz="2400" kern="1200">
+                <a:solidFill>
+                  <a:schemeClr val="tx1"/>
+                </a:solidFill>
+                <a:latin typeface="+mn-lt"/>
+                <a:ea typeface="+mn-ea"/>
+                <a:cs typeface="+mn-cs"/>
+              </a:defRPr>
+            </a:lvl3pPr>
+            <a:lvl4pPr marL="1600200" indent="-228600" algn="l" defTabSz="457200" rtl="0" eaLnBrk="1" latinLnBrk="0" hangingPunct="1">
+              <a:spcBef>
+                <a:spcPct val="20000"/>
+              </a:spcBef>
+              <a:buFont typeface="Arial"/>
+              <a:buChar char="–"/>
+              <a:defRPr sz="2000" kern="1200">
+                <a:solidFill>
+                  <a:schemeClr val="tx1"/>
+                </a:solidFill>
+                <a:latin typeface="+mn-lt"/>
+                <a:ea typeface="+mn-ea"/>
+                <a:cs typeface="+mn-cs"/>
+              </a:defRPr>
+            </a:lvl4pPr>
+            <a:lvl5pPr marL="2057400" indent="-228600" algn="l" defTabSz="457200" rtl="0" eaLnBrk="1" latinLnBrk="0" hangingPunct="1">
+              <a:spcBef>
+                <a:spcPct val="20000"/>
+              </a:spcBef>
+              <a:buFont typeface="Arial"/>
+              <a:buChar char="»"/>
+              <a:defRPr sz="2000" kern="1200">
+                <a:solidFill>
+                  <a:schemeClr val="tx1"/>
+                </a:solidFill>
+                <a:latin typeface="+mn-lt"/>
+                <a:ea typeface="+mn-ea"/>
+                <a:cs typeface="+mn-cs"/>
+              </a:defRPr>
+            </a:lvl5pPr>
+            <a:lvl6pPr marL="2514600" indent="-228600" algn="l" defTabSz="457200" rtl="0" eaLnBrk="1" latinLnBrk="0" hangingPunct="1">
+              <a:spcBef>
+                <a:spcPct val="20000"/>
+              </a:spcBef>
+              <a:buFont typeface="Arial"/>
+              <a:buChar char="•"/>
+              <a:defRPr sz="2000" kern="1200">
+                <a:solidFill>
+                  <a:schemeClr val="tx1"/>
+                </a:solidFill>
+                <a:latin typeface="+mn-lt"/>
+                <a:ea typeface="+mn-ea"/>
+                <a:cs typeface="+mn-cs"/>
+              </a:defRPr>
+            </a:lvl6pPr>
+            <a:lvl7pPr marL="2971800" indent="-228600" algn="l" defTabSz="457200" rtl="0" eaLnBrk="1" latinLnBrk="0" hangingPunct="1">
+              <a:spcBef>
+                <a:spcPct val="20000"/>
+              </a:spcBef>
+              <a:buFont typeface="Arial"/>
+              <a:buChar char="•"/>
+              <a:defRPr sz="2000" kern="1200">
+                <a:solidFill>
+                  <a:schemeClr val="tx1"/>
+                </a:solidFill>
+                <a:latin typeface="+mn-lt"/>
+                <a:ea typeface="+mn-ea"/>
+                <a:cs typeface="+mn-cs"/>
+              </a:defRPr>
+            </a:lvl7pPr>
+            <a:lvl8pPr marL="3429000" indent="-228600" algn="l" defTabSz="457200" rtl="0" eaLnBrk="1" latinLnBrk="0" hangingPunct="1">
+              <a:spcBef>
+                <a:spcPct val="20000"/>
+              </a:spcBef>
+              <a:buFont typeface="Arial"/>
+              <a:buChar char="•"/>
+              <a:defRPr sz="2000" kern="1200">
+                <a:solidFill>
+                  <a:schemeClr val="tx1"/>
+                </a:solidFill>
+                <a:latin typeface="+mn-lt"/>
+                <a:ea typeface="+mn-ea"/>
+                <a:cs typeface="+mn-cs"/>
+              </a:defRPr>
+            </a:lvl8pPr>
+            <a:lvl9pPr marL="3886200" indent="-228600" algn="l" defTabSz="457200" rtl="0" eaLnBrk="1" latinLnBrk="0" hangingPunct="1">
+              <a:spcBef>
+                <a:spcPct val="20000"/>
+              </a:spcBef>
+              <a:buFont typeface="Arial"/>
+              <a:buChar char="•"/>
+              <a:defRPr sz="2000" kern="1200">
+                <a:solidFill>
+                  <a:schemeClr val="tx1"/>
+                </a:solidFill>
+                <a:latin typeface="+mn-lt"/>
+                <a:ea typeface="+mn-ea"/>
+                <a:cs typeface="+mn-cs"/>
+              </a:defRPr>
+            </a:lvl9pPr>
+          </a:lstStyle>
+          <a:p>
+            <a:pPr marL="0" indent="0">
+              <a:buNone/>
+            </a:pPr>
+            <a:r>
+              <a:rPr lang="en-US" sz="2200" b="1" dirty="0" err="1" smtClean="0">
+                <a:solidFill>
+                  <a:srgbClr val="FF0000"/>
+                </a:solidFill>
+              </a:rPr>
+              <a:t>Magnetospheric</a:t>
+            </a:r>
+            <a:r>
+              <a:rPr lang="en-US" sz="2200" b="1" dirty="0" smtClean="0">
+                <a:solidFill>
+                  <a:srgbClr val="FF0000"/>
+                </a:solidFill>
+              </a:rPr>
+              <a:t> electrons</a:t>
+            </a:r>
+            <a:endParaRPr lang="en-US" sz="2200" b="1" dirty="0">
+              <a:solidFill>
+                <a:srgbClr val="FF0000"/>
+              </a:solidFill>
+            </a:endParaRPr>
+          </a:p>
+        </p:txBody>
+      </p:sp>
+      <p:sp>
+        <p:nvSpPr>
+          <p:cNvPr id="6" name="Content Placeholder 2"/>
+          <p:cNvSpPr txBox="1">
+            <a:spLocks/>
+          </p:cNvSpPr>
+          <p:nvPr/>
+        </p:nvSpPr>
+        <p:spPr>
+          <a:xfrm>
+            <a:off x="818241" y="1417638"/>
+            <a:ext cx="1911109" cy="574859"/>
+          </a:xfrm>
+          <a:prstGeom prst="rect">
+            <a:avLst/>
+          </a:prstGeom>
+        </p:spPr>
+        <p:txBody>
+          <a:bodyPr vert="horz" lIns="91440" tIns="45720" rIns="91440" bIns="45720" rtlCol="0">
+            <a:normAutofit fontScale="92500"/>
+          </a:bodyPr>
+          <a:lstStyle>
+            <a:lvl1pPr marL="342900" indent="-342900" algn="l" defTabSz="457200" rtl="0" eaLnBrk="1" latinLnBrk="0" hangingPunct="1">
+              <a:spcBef>
+                <a:spcPct val="20000"/>
+              </a:spcBef>
+              <a:buFont typeface="Arial"/>
+              <a:buChar char="•"/>
+              <a:defRPr sz="3200" kern="1200">
+                <a:solidFill>
+                  <a:schemeClr val="tx1"/>
+                </a:solidFill>
+                <a:latin typeface="+mn-lt"/>
+                <a:ea typeface="+mn-ea"/>
+                <a:cs typeface="+mn-cs"/>
+              </a:defRPr>
+            </a:lvl1pPr>
+            <a:lvl2pPr marL="742950" indent="-285750" algn="l" defTabSz="457200" rtl="0" eaLnBrk="1" latinLnBrk="0" hangingPunct="1">
+              <a:spcBef>
+                <a:spcPct val="20000"/>
+              </a:spcBef>
+              <a:buFont typeface="Arial"/>
+              <a:buChar char="–"/>
+              <a:defRPr sz="2800" kern="1200">
+                <a:solidFill>
+                  <a:schemeClr val="tx1"/>
+                </a:solidFill>
+                <a:latin typeface="+mn-lt"/>
+                <a:ea typeface="+mn-ea"/>
+                <a:cs typeface="+mn-cs"/>
+              </a:defRPr>
+            </a:lvl2pPr>
+            <a:lvl3pPr marL="1143000" indent="-228600" algn="l" defTabSz="457200" rtl="0" eaLnBrk="1" latinLnBrk="0" hangingPunct="1">
+              <a:spcBef>
+                <a:spcPct val="20000"/>
+              </a:spcBef>
+              <a:buFont typeface="Arial"/>
+              <a:buChar char="•"/>
+              <a:defRPr sz="2400" kern="1200">
+                <a:solidFill>
+                  <a:schemeClr val="tx1"/>
+                </a:solidFill>
+                <a:latin typeface="+mn-lt"/>
+                <a:ea typeface="+mn-ea"/>
+                <a:cs typeface="+mn-cs"/>
+              </a:defRPr>
+            </a:lvl3pPr>
+            <a:lvl4pPr marL="1600200" indent="-228600" algn="l" defTabSz="457200" rtl="0" eaLnBrk="1" latinLnBrk="0" hangingPunct="1">
+              <a:spcBef>
+                <a:spcPct val="20000"/>
+              </a:spcBef>
+              <a:buFont typeface="Arial"/>
+              <a:buChar char="–"/>
+              <a:defRPr sz="2000" kern="1200">
+                <a:solidFill>
+                  <a:schemeClr val="tx1"/>
+                </a:solidFill>
+                <a:latin typeface="+mn-lt"/>
+                <a:ea typeface="+mn-ea"/>
+                <a:cs typeface="+mn-cs"/>
+              </a:defRPr>
+            </a:lvl4pPr>
+            <a:lvl5pPr marL="2057400" indent="-228600" algn="l" defTabSz="457200" rtl="0" eaLnBrk="1" latinLnBrk="0" hangingPunct="1">
+              <a:spcBef>
+                <a:spcPct val="20000"/>
+              </a:spcBef>
+              <a:buFont typeface="Arial"/>
+              <a:buChar char="»"/>
+              <a:defRPr sz="2000" kern="1200">
+                <a:solidFill>
+                  <a:schemeClr val="tx1"/>
+                </a:solidFill>
+                <a:latin typeface="+mn-lt"/>
+                <a:ea typeface="+mn-ea"/>
+                <a:cs typeface="+mn-cs"/>
+              </a:defRPr>
+            </a:lvl5pPr>
+            <a:lvl6pPr marL="2514600" indent="-228600" algn="l" defTabSz="457200" rtl="0" eaLnBrk="1" latinLnBrk="0" hangingPunct="1">
+              <a:spcBef>
+                <a:spcPct val="20000"/>
+              </a:spcBef>
+              <a:buFont typeface="Arial"/>
+              <a:buChar char="•"/>
+              <a:defRPr sz="2000" kern="1200">
+                <a:solidFill>
+                  <a:schemeClr val="tx1"/>
+                </a:solidFill>
+                <a:latin typeface="+mn-lt"/>
+                <a:ea typeface="+mn-ea"/>
+                <a:cs typeface="+mn-cs"/>
+              </a:defRPr>
+            </a:lvl6pPr>
+            <a:lvl7pPr marL="2971800" indent="-228600" algn="l" defTabSz="457200" rtl="0" eaLnBrk="1" latinLnBrk="0" hangingPunct="1">
+              <a:spcBef>
+                <a:spcPct val="20000"/>
+              </a:spcBef>
+              <a:buFont typeface="Arial"/>
+              <a:buChar char="•"/>
+              <a:defRPr sz="2000" kern="1200">
+                <a:solidFill>
+                  <a:schemeClr val="tx1"/>
+                </a:solidFill>
+                <a:latin typeface="+mn-lt"/>
+                <a:ea typeface="+mn-ea"/>
+                <a:cs typeface="+mn-cs"/>
+              </a:defRPr>
+            </a:lvl7pPr>
+            <a:lvl8pPr marL="3429000" indent="-228600" algn="l" defTabSz="457200" rtl="0" eaLnBrk="1" latinLnBrk="0" hangingPunct="1">
+              <a:spcBef>
+                <a:spcPct val="20000"/>
+              </a:spcBef>
+              <a:buFont typeface="Arial"/>
+              <a:buChar char="•"/>
+              <a:defRPr sz="2000" kern="1200">
+                <a:solidFill>
+                  <a:schemeClr val="tx1"/>
+                </a:solidFill>
+                <a:latin typeface="+mn-lt"/>
+                <a:ea typeface="+mn-ea"/>
+                <a:cs typeface="+mn-cs"/>
+              </a:defRPr>
+            </a:lvl8pPr>
+            <a:lvl9pPr marL="3886200" indent="-228600" algn="l" defTabSz="457200" rtl="0" eaLnBrk="1" latinLnBrk="0" hangingPunct="1">
+              <a:spcBef>
+                <a:spcPct val="20000"/>
+              </a:spcBef>
+              <a:buFont typeface="Arial"/>
+              <a:buChar char="•"/>
+              <a:defRPr sz="2000" kern="1200">
+                <a:solidFill>
+                  <a:schemeClr val="tx1"/>
+                </a:solidFill>
+                <a:latin typeface="+mn-lt"/>
+                <a:ea typeface="+mn-ea"/>
+                <a:cs typeface="+mn-cs"/>
+              </a:defRPr>
+            </a:lvl9pPr>
+          </a:lstStyle>
+          <a:p>
+            <a:pPr marL="0" indent="0">
+              <a:buNone/>
+            </a:pPr>
+            <a:r>
+              <a:rPr lang="en-US" sz="2400" b="1" dirty="0" smtClean="0">
+                <a:solidFill>
+                  <a:srgbClr val="0000FF"/>
+                </a:solidFill>
+              </a:rPr>
+              <a:t>Electron beam</a:t>
+            </a:r>
+            <a:endParaRPr lang="en-US" sz="2400" b="1" dirty="0">
+              <a:solidFill>
+                <a:srgbClr val="0000FF"/>
+              </a:solidFill>
+            </a:endParaRPr>
+          </a:p>
+        </p:txBody>
+      </p:sp>
+      <p:cxnSp>
+        <p:nvCxnSpPr>
+          <p:cNvPr id="8" name="Straight Arrow Connector 7"/>
+          <p:cNvCxnSpPr>
+            <a:stCxn id="5" idx="0"/>
+          </p:cNvCxnSpPr>
+          <p:nvPr/>
+        </p:nvCxnSpPr>
+        <p:spPr>
+          <a:xfrm flipV="1">
+            <a:off x="2462889" y="4606901"/>
+            <a:ext cx="1131206" cy="1604949"/>
+          </a:xfrm>
+          <a:prstGeom prst="straightConnector1">
+            <a:avLst/>
+          </a:prstGeom>
+          <a:ln>
+            <a:tailEnd type="arrow"/>
+          </a:ln>
+        </p:spPr>
+        <p:style>
+          <a:lnRef idx="2">
+            <a:schemeClr val="accent1"/>
+          </a:lnRef>
+          <a:fillRef idx="0">
+            <a:schemeClr val="accent1"/>
+          </a:fillRef>
+          <a:effectRef idx="1">
+            <a:schemeClr val="accent1"/>
+          </a:effectRef>
+          <a:fontRef idx="minor">
+            <a:schemeClr val="tx1"/>
+          </a:fontRef>
+        </p:style>
+      </p:cxnSp>
+      <p:cxnSp>
+        <p:nvCxnSpPr>
+          <p:cNvPr id="9" name="Straight Arrow Connector 8"/>
+          <p:cNvCxnSpPr/>
+          <p:nvPr/>
+        </p:nvCxnSpPr>
+        <p:spPr>
+          <a:xfrm>
+            <a:off x="1598144" y="1810336"/>
+            <a:ext cx="374555" cy="1161858"/>
+          </a:xfrm>
+          <a:prstGeom prst="straightConnector1">
+            <a:avLst/>
+          </a:prstGeom>
+          <a:ln>
+            <a:tailEnd type="arrow"/>
+          </a:ln>
+        </p:spPr>
+        <p:style>
+          <a:lnRef idx="2">
+            <a:schemeClr val="accent1"/>
+          </a:lnRef>
+          <a:fillRef idx="0">
+            <a:schemeClr val="accent1"/>
+          </a:fillRef>
+          <a:effectRef idx="1">
+            <a:schemeClr val="accent1"/>
+          </a:effectRef>
+          <a:fontRef idx="minor">
+            <a:schemeClr val="tx1"/>
+          </a:fontRef>
+        </p:style>
+      </p:cxnSp>
+      <p:sp>
+        <p:nvSpPr>
+          <p:cNvPr id="10" name="Content Placeholder 2"/>
+          <p:cNvSpPr txBox="1">
+            <a:spLocks/>
+          </p:cNvSpPr>
+          <p:nvPr/>
+        </p:nvSpPr>
+        <p:spPr>
+          <a:xfrm>
+            <a:off x="4807945" y="5339320"/>
+            <a:ext cx="1911109" cy="872530"/>
+          </a:xfrm>
+          <a:prstGeom prst="rect">
+            <a:avLst/>
+          </a:prstGeom>
+        </p:spPr>
+        <p:txBody>
+          <a:bodyPr vert="horz" lIns="91440" tIns="45720" rIns="91440" bIns="45720" rtlCol="0">
+            <a:normAutofit fontScale="85000" lnSpcReduction="10000"/>
+          </a:bodyPr>
+          <a:lstStyle>
+            <a:lvl1pPr marL="342900" indent="-342900" algn="l" defTabSz="457200" rtl="0" eaLnBrk="1" latinLnBrk="0" hangingPunct="1">
+              <a:spcBef>
+                <a:spcPct val="20000"/>
+              </a:spcBef>
+              <a:buFont typeface="Arial"/>
+              <a:buChar char="•"/>
+              <a:defRPr sz="3200" kern="1200">
+                <a:solidFill>
+                  <a:schemeClr val="tx1"/>
+                </a:solidFill>
+                <a:latin typeface="+mn-lt"/>
+                <a:ea typeface="+mn-ea"/>
+                <a:cs typeface="+mn-cs"/>
+              </a:defRPr>
+            </a:lvl1pPr>
+            <a:lvl2pPr marL="742950" indent="-285750" algn="l" defTabSz="457200" rtl="0" eaLnBrk="1" latinLnBrk="0" hangingPunct="1">
+              <a:spcBef>
+                <a:spcPct val="20000"/>
+              </a:spcBef>
+              <a:buFont typeface="Arial"/>
+              <a:buChar char="–"/>
+              <a:defRPr sz="2800" kern="1200">
+                <a:solidFill>
+                  <a:schemeClr val="tx1"/>
+                </a:solidFill>
+                <a:latin typeface="+mn-lt"/>
+                <a:ea typeface="+mn-ea"/>
+                <a:cs typeface="+mn-cs"/>
+              </a:defRPr>
+            </a:lvl2pPr>
+            <a:lvl3pPr marL="1143000" indent="-228600" algn="l" defTabSz="457200" rtl="0" eaLnBrk="1" latinLnBrk="0" hangingPunct="1">
+              <a:spcBef>
+                <a:spcPct val="20000"/>
+              </a:spcBef>
+              <a:buFont typeface="Arial"/>
+              <a:buChar char="•"/>
+              <a:defRPr sz="2400" kern="1200">
+                <a:solidFill>
+                  <a:schemeClr val="tx1"/>
+                </a:solidFill>
+                <a:latin typeface="+mn-lt"/>
+                <a:ea typeface="+mn-ea"/>
+                <a:cs typeface="+mn-cs"/>
+              </a:defRPr>
+            </a:lvl3pPr>
+            <a:lvl4pPr marL="1600200" indent="-228600" algn="l" defTabSz="457200" rtl="0" eaLnBrk="1" latinLnBrk="0" hangingPunct="1">
+              <a:spcBef>
+                <a:spcPct val="20000"/>
+              </a:spcBef>
+              <a:buFont typeface="Arial"/>
+              <a:buChar char="–"/>
+              <a:defRPr sz="2000" kern="1200">
+                <a:solidFill>
+                  <a:schemeClr val="tx1"/>
+                </a:solidFill>
+                <a:latin typeface="+mn-lt"/>
+                <a:ea typeface="+mn-ea"/>
+                <a:cs typeface="+mn-cs"/>
+              </a:defRPr>
+            </a:lvl4pPr>
+            <a:lvl5pPr marL="2057400" indent="-228600" algn="l" defTabSz="457200" rtl="0" eaLnBrk="1" latinLnBrk="0" hangingPunct="1">
+              <a:spcBef>
+                <a:spcPct val="20000"/>
+              </a:spcBef>
+              <a:buFont typeface="Arial"/>
+              <a:buChar char="»"/>
+              <a:defRPr sz="2000" kern="1200">
+                <a:solidFill>
+                  <a:schemeClr val="tx1"/>
+                </a:solidFill>
+                <a:latin typeface="+mn-lt"/>
+                <a:ea typeface="+mn-ea"/>
+                <a:cs typeface="+mn-cs"/>
+              </a:defRPr>
+            </a:lvl5pPr>
+            <a:lvl6pPr marL="2514600" indent="-228600" algn="l" defTabSz="457200" rtl="0" eaLnBrk="1" latinLnBrk="0" hangingPunct="1">
+              <a:spcBef>
+                <a:spcPct val="20000"/>
+              </a:spcBef>
+              <a:buFont typeface="Arial"/>
+              <a:buChar char="•"/>
+              <a:defRPr sz="2000" kern="1200">
+                <a:solidFill>
+                  <a:schemeClr val="tx1"/>
+                </a:solidFill>
+                <a:latin typeface="+mn-lt"/>
+                <a:ea typeface="+mn-ea"/>
+                <a:cs typeface="+mn-cs"/>
+              </a:defRPr>
+            </a:lvl6pPr>
+            <a:lvl7pPr marL="2971800" indent="-228600" algn="l" defTabSz="457200" rtl="0" eaLnBrk="1" latinLnBrk="0" hangingPunct="1">
+              <a:spcBef>
+                <a:spcPct val="20000"/>
+              </a:spcBef>
+              <a:buFont typeface="Arial"/>
+              <a:buChar char="•"/>
+              <a:defRPr sz="2000" kern="1200">
+                <a:solidFill>
+                  <a:schemeClr val="tx1"/>
+                </a:solidFill>
+                <a:latin typeface="+mn-lt"/>
+                <a:ea typeface="+mn-ea"/>
+                <a:cs typeface="+mn-cs"/>
+              </a:defRPr>
+            </a:lvl7pPr>
+            <a:lvl8pPr marL="3429000" indent="-228600" algn="l" defTabSz="457200" rtl="0" eaLnBrk="1" latinLnBrk="0" hangingPunct="1">
+              <a:spcBef>
+                <a:spcPct val="20000"/>
+              </a:spcBef>
+              <a:buFont typeface="Arial"/>
+              <a:buChar char="•"/>
+              <a:defRPr sz="2000" kern="1200">
+                <a:solidFill>
+                  <a:schemeClr val="tx1"/>
+                </a:solidFill>
+                <a:latin typeface="+mn-lt"/>
+                <a:ea typeface="+mn-ea"/>
+                <a:cs typeface="+mn-cs"/>
+              </a:defRPr>
+            </a:lvl8pPr>
+            <a:lvl9pPr marL="3886200" indent="-228600" algn="l" defTabSz="457200" rtl="0" eaLnBrk="1" latinLnBrk="0" hangingPunct="1">
+              <a:spcBef>
+                <a:spcPct val="20000"/>
+              </a:spcBef>
+              <a:buFont typeface="Arial"/>
+              <a:buChar char="•"/>
+              <a:defRPr sz="2000" kern="1200">
+                <a:solidFill>
+                  <a:schemeClr val="tx1"/>
+                </a:solidFill>
+                <a:latin typeface="+mn-lt"/>
+                <a:ea typeface="+mn-ea"/>
+                <a:cs typeface="+mn-cs"/>
+              </a:defRPr>
+            </a:lvl9pPr>
+          </a:lstStyle>
+          <a:p>
+            <a:pPr marL="0" indent="0">
+              <a:buNone/>
+            </a:pPr>
+            <a:r>
+              <a:rPr lang="en-US" sz="2400" b="1" dirty="0" smtClean="0">
+                <a:solidFill>
+                  <a:srgbClr val="008000"/>
+                </a:solidFill>
+              </a:rPr>
+              <a:t>One count level (dashed line).</a:t>
+            </a:r>
+            <a:endParaRPr lang="en-US" sz="2400" b="1" dirty="0">
+              <a:solidFill>
+                <a:srgbClr val="008000"/>
+              </a:solidFill>
+            </a:endParaRPr>
+          </a:p>
+        </p:txBody>
+      </p:sp>
+      <p:cxnSp>
+        <p:nvCxnSpPr>
+          <p:cNvPr id="11" name="Straight Arrow Connector 10"/>
+          <p:cNvCxnSpPr>
+            <a:stCxn id="10" idx="1"/>
+          </p:cNvCxnSpPr>
+          <p:nvPr/>
+        </p:nvCxnSpPr>
+        <p:spPr>
+          <a:xfrm flipH="1" flipV="1">
+            <a:off x="4107537" y="5160811"/>
+            <a:ext cx="700408" cy="614774"/>
+          </a:xfrm>
+          <a:prstGeom prst="straightConnector1">
+            <a:avLst/>
+          </a:prstGeom>
+          <a:ln>
+            <a:tailEnd type="arrow"/>
+          </a:ln>
+        </p:spPr>
+        <p:style>
+          <a:lnRef idx="2">
+            <a:schemeClr val="accent1"/>
+          </a:lnRef>
+          <a:fillRef idx="0">
+            <a:schemeClr val="accent1"/>
+          </a:fillRef>
+          <a:effectRef idx="1">
+            <a:schemeClr val="accent1"/>
+          </a:effectRef>
+          <a:fontRef idx="minor">
+            <a:schemeClr val="tx1"/>
+          </a:fontRef>
+        </p:style>
+      </p:cxnSp>
     </p:spTree>
     <p:extLst>
       <p:ext uri="{BB962C8B-B14F-4D97-AF65-F5344CB8AC3E}">
@@ -5278,7 +5962,9 @@
           </a:xfrm>
         </p:spPr>
         <p:txBody>
-          <a:bodyPr/>
+          <a:bodyPr>
+            <a:normAutofit lnSpcReduction="10000"/>
+          </a:bodyPr>
           <a:lstStyle/>
           <a:p>
             <a:pPr marL="0" indent="0">
@@ -5291,12 +5977,70 @@
           </a:p>
           <a:p>
             <a:r>
-              <a:rPr lang="en-US" sz="2400" dirty="0" smtClean="0"/>
-              <a:t>….</a:t>
-            </a:r>
-            <a:endParaRPr lang="en-US" sz="2400" dirty="0"/>
-          </a:p>
-          <a:p>
+              <a:rPr lang="en-US" sz="2400" dirty="0"/>
+              <a:t>For plotting distributions: </a:t>
+            </a:r>
+            <a:r>
+              <a:rPr lang="en-US" sz="2400" dirty="0" err="1"/>
+              <a:t>idpfluxpad.m</a:t>
+            </a:r>
+            <a:r>
+              <a:rPr lang="en-US" sz="2400" dirty="0"/>
+              <a:t> (ion pitch angle distribution), </a:t>
+            </a:r>
+            <a:r>
+              <a:rPr lang="en-US" sz="2400" dirty="0" err="1"/>
+              <a:t>ePSDpad.m</a:t>
+            </a:r>
+            <a:r>
+              <a:rPr lang="en-US" sz="2400" dirty="0"/>
+              <a:t> (electron phase-space density, spin resolution), </a:t>
+            </a:r>
+            <a:r>
+              <a:rPr lang="en-US" sz="2400" dirty="0" err="1"/>
+              <a:t>ePSDpadbm.m</a:t>
+            </a:r>
+            <a:r>
+              <a:rPr lang="en-US" sz="2400" dirty="0"/>
+              <a:t> (electron PSD, </a:t>
+            </a:r>
+            <a:r>
+              <a:rPr lang="en-US" sz="2400" dirty="0" err="1"/>
+              <a:t>subspin</a:t>
+            </a:r>
+            <a:r>
+              <a:rPr lang="en-US" sz="2400" dirty="0"/>
+              <a:t> resolution), </a:t>
+            </a:r>
+            <a:r>
+              <a:rPr lang="en-US" sz="2400" dirty="0" err="1"/>
+              <a:t>edefluxpad.m</a:t>
+            </a:r>
+            <a:r>
+              <a:rPr lang="en-US" sz="2400" dirty="0"/>
+              <a:t>, </a:t>
+            </a:r>
+            <a:r>
+              <a:rPr lang="en-US" sz="2400" dirty="0" err="1"/>
+              <a:t>edefluxpadbm.m</a:t>
+            </a:r>
+            <a:r>
+              <a:rPr lang="en-US" sz="2400" dirty="0"/>
+              <a:t> (electron </a:t>
+            </a:r>
+            <a:r>
+              <a:rPr lang="en-US" sz="2400" dirty="0" err="1"/>
+              <a:t>DEFluxes</a:t>
+            </a:r>
+            <a:r>
+              <a:rPr lang="en-US" sz="2400" dirty="0"/>
+              <a:t>).</a:t>
+            </a:r>
+          </a:p>
+          <a:p>
+            <a:pPr marL="0" indent="0">
+              <a:buNone/>
+            </a:pPr>
             <a:endParaRPr lang="en-US" dirty="0" smtClean="0"/>
           </a:p>
           <a:p>
@@ -8201,65 +8945,190 @@
               <a:buNone/>
             </a:pPr>
             <a:r>
-              <a:rPr lang="en-US" sz="2400" dirty="0" smtClean="0"/>
+              <a:rPr lang="en-US" sz="1800" dirty="0" smtClean="0"/>
               <a:t>Scripts:</a:t>
             </a:r>
           </a:p>
           <a:p>
             <a:r>
-              <a:rPr lang="en-US" sz="2400" dirty="0" smtClean="0"/>
-              <a:t>…</a:t>
-            </a:r>
-            <a:endParaRPr lang="en-US" sz="2400" dirty="0"/>
-          </a:p>
-          <a:p>
-            <a:endParaRPr lang="en-US" sz="2400" dirty="0" smtClean="0"/>
+              <a:rPr lang="en-US" sz="1800" dirty="0" smtClean="0"/>
+              <a:t>Download data: </a:t>
+            </a:r>
+            <a:r>
+              <a:rPr lang="en-US" sz="1800" dirty="0" err="1" smtClean="0"/>
+              <a:t>getdata.m</a:t>
+            </a:r>
+            <a:endParaRPr lang="en-US" sz="1800" dirty="0" smtClean="0"/>
+          </a:p>
+          <a:p>
+            <a:r>
+              <a:rPr lang="en-US" sz="1800" dirty="0" smtClean="0"/>
+              <a:t>For plotting time series: </a:t>
+            </a:r>
+            <a:r>
+              <a:rPr lang="en-US" sz="1800" dirty="0" err="1" smtClean="0"/>
+              <a:t>energyspec.m</a:t>
+            </a:r>
+            <a:r>
+              <a:rPr lang="en-US" sz="1800" dirty="0" smtClean="0"/>
+              <a:t> (spin resolution), </a:t>
+            </a:r>
+            <a:r>
+              <a:rPr lang="en-US" sz="1800" dirty="0" err="1" smtClean="0"/>
+              <a:t>energyspecbm.m</a:t>
+            </a:r>
+            <a:r>
+              <a:rPr lang="en-US" sz="1800" dirty="0" smtClean="0"/>
+              <a:t> (</a:t>
+            </a:r>
+            <a:r>
+              <a:rPr lang="en-US" sz="1800" dirty="0" err="1" smtClean="0"/>
+              <a:t>subspin</a:t>
+            </a:r>
+            <a:r>
+              <a:rPr lang="en-US" sz="1800" dirty="0"/>
+              <a:t> resolution), </a:t>
+            </a:r>
+            <a:r>
+              <a:rPr lang="en-US" sz="1800" dirty="0" err="1" smtClean="0"/>
+              <a:t>electronpitchangle.m</a:t>
+            </a:r>
+            <a:r>
+              <a:rPr lang="en-US" sz="1800" dirty="0" smtClean="0"/>
+              <a:t> (pitch angle time series, spin resolution), </a:t>
+            </a:r>
+            <a:r>
+              <a:rPr lang="en-US" sz="1800" dirty="0" err="1" smtClean="0"/>
+              <a:t>ionpitchangle.m</a:t>
+            </a:r>
+            <a:r>
+              <a:rPr lang="en-US" sz="1800" dirty="0" smtClean="0"/>
+              <a:t> (spin resolution).</a:t>
+            </a:r>
+          </a:p>
+          <a:p>
+            <a:r>
+              <a:rPr lang="en-US" sz="1800" dirty="0" smtClean="0"/>
+              <a:t>For plotting distributions</a:t>
+            </a:r>
+            <a:r>
+              <a:rPr lang="en-US" sz="1800" dirty="0"/>
+              <a:t>: </a:t>
+            </a:r>
+            <a:r>
+              <a:rPr lang="en-US" sz="1800" dirty="0" err="1" smtClean="0"/>
+              <a:t>idpfluxpad.m</a:t>
+            </a:r>
+            <a:r>
+              <a:rPr lang="en-US" sz="1800" dirty="0" smtClean="0"/>
+              <a:t> (ion pitch </a:t>
+            </a:r>
+            <a:r>
+              <a:rPr lang="en-US" sz="1800" dirty="0"/>
+              <a:t>angle distribution), </a:t>
+            </a:r>
+            <a:r>
+              <a:rPr lang="en-US" sz="1800" dirty="0" err="1" smtClean="0"/>
+              <a:t>ePSDpad.m</a:t>
+            </a:r>
+            <a:r>
+              <a:rPr lang="en-US" sz="1800" dirty="0" smtClean="0"/>
+              <a:t> (electron phase-space density, </a:t>
+            </a:r>
+            <a:r>
+              <a:rPr lang="en-US" sz="1800" dirty="0"/>
+              <a:t>spin resolution), </a:t>
+            </a:r>
+            <a:r>
+              <a:rPr lang="en-US" sz="1800" dirty="0" err="1" smtClean="0"/>
+              <a:t>ePSDpadbm.m</a:t>
+            </a:r>
+            <a:r>
+              <a:rPr lang="en-US" sz="1800" dirty="0" smtClean="0"/>
+              <a:t> (electron PSD, </a:t>
+            </a:r>
+            <a:r>
+              <a:rPr lang="en-US" sz="1800" dirty="0" err="1" smtClean="0"/>
+              <a:t>subspin</a:t>
+            </a:r>
+            <a:r>
+              <a:rPr lang="en-US" sz="1800" dirty="0"/>
+              <a:t> resolution), </a:t>
+            </a:r>
+            <a:r>
+              <a:rPr lang="en-US" sz="1800" dirty="0" err="1" smtClean="0"/>
+              <a:t>edefluxpad.m</a:t>
+            </a:r>
+            <a:r>
+              <a:rPr lang="en-US" sz="1800" dirty="0"/>
+              <a:t>, </a:t>
+            </a:r>
+            <a:r>
+              <a:rPr lang="en-US" sz="1800" dirty="0" err="1" smtClean="0"/>
+              <a:t>edefluxpadbm.m</a:t>
+            </a:r>
+            <a:r>
+              <a:rPr lang="en-US" sz="1800" dirty="0" smtClean="0"/>
+              <a:t> (electron </a:t>
+            </a:r>
+            <a:r>
+              <a:rPr lang="en-US" sz="1800" dirty="0" err="1" smtClean="0"/>
+              <a:t>DEFluxes</a:t>
+            </a:r>
+            <a:r>
+              <a:rPr lang="en-US" sz="1800" dirty="0" smtClean="0"/>
+              <a:t>).</a:t>
+            </a:r>
+            <a:endParaRPr lang="en-US" sz="1800" dirty="0"/>
+          </a:p>
+          <a:p>
+            <a:endParaRPr lang="en-US" sz="1800" dirty="0" smtClean="0"/>
           </a:p>
           <a:p>
             <a:pPr marL="0" indent="0">
               <a:buNone/>
             </a:pPr>
             <a:r>
-              <a:rPr lang="en-US" sz="2400" dirty="0" smtClean="0"/>
+              <a:rPr lang="en-US" sz="1800" dirty="0" smtClean="0"/>
               <a:t>Exercises</a:t>
             </a:r>
           </a:p>
           <a:p>
             <a:r>
-              <a:rPr lang="en-US" sz="2400" dirty="0" smtClean="0"/>
+              <a:rPr lang="en-US" sz="1800" dirty="0" smtClean="0"/>
               <a:t>Use scripts to plot particle data. Are there any anisotropic regions, </a:t>
             </a:r>
             <a:r>
-              <a:rPr lang="en-US" sz="2400" dirty="0" err="1" smtClean="0"/>
+              <a:rPr lang="en-US" sz="1800" dirty="0" err="1" smtClean="0"/>
               <a:t>DEFluxes</a:t>
             </a:r>
             <a:r>
-              <a:rPr lang="en-US" sz="2400" dirty="0" smtClean="0"/>
+              <a:rPr lang="en-US" sz="1800" dirty="0" smtClean="0"/>
               <a:t> that differ with pitch angle. </a:t>
             </a:r>
           </a:p>
           <a:p>
             <a:r>
-              <a:rPr lang="en-US" sz="2400" dirty="0" smtClean="0"/>
+              <a:rPr lang="en-US" sz="1800" dirty="0" smtClean="0"/>
               <a:t>Use scripts to download and analyze a new event, e.g., a magnetopause crossing from previous session, could check </a:t>
             </a:r>
             <a:r>
-              <a:rPr lang="en-US" sz="2400" dirty="0" err="1" smtClean="0"/>
+              <a:rPr lang="en-US" sz="1800" dirty="0" err="1" smtClean="0"/>
               <a:t>csa</a:t>
             </a:r>
             <a:r>
-              <a:rPr lang="en-US" sz="2400" dirty="0" smtClean="0"/>
+              <a:rPr lang="en-US" sz="1800" dirty="0" smtClean="0"/>
               <a:t> </a:t>
             </a:r>
             <a:r>
-              <a:rPr lang="en-US" sz="2400" dirty="0" err="1" smtClean="0"/>
+              <a:rPr lang="en-US" sz="1800" dirty="0" err="1" smtClean="0"/>
               <a:t>quicklook</a:t>
             </a:r>
             <a:r>
-              <a:rPr lang="en-US" sz="2400" dirty="0" smtClean="0"/>
+              <a:rPr lang="en-US" sz="1800" dirty="0" smtClean="0"/>
               <a:t> plots. </a:t>
             </a:r>
-            <a:endParaRPr lang="en-US" sz="2400" dirty="0"/>
+            <a:endParaRPr lang="en-US" sz="1800" dirty="0"/>
           </a:p>
         </p:txBody>
       </p:sp>
